--- a/python/presentations/learning_python/17_ceda-scripts.pptx
+++ b/python/presentations/learning_python/17_ceda-scripts.pptx
@@ -687,7 +687,7 @@
               <a:pPr>
                 <a:defRPr/>
               </a:pPr>
-              <a:t>09/10/2018</a:t>
+              <a:t>12/10/2018</a:t>
             </a:fld>
             <a:endParaRPr lang="en-GB"/>
           </a:p>
@@ -924,7 +924,7 @@
               <a:pPr>
                 <a:defRPr/>
               </a:pPr>
-              <a:t>09/10/2018</a:t>
+              <a:t>12/10/2018</a:t>
             </a:fld>
             <a:endParaRPr lang="en-GB"/>
           </a:p>
@@ -1570,7 +1570,7 @@
               <a:pPr>
                 <a:defRPr/>
               </a:pPr>
-              <a:t>09/10/2018</a:t>
+              <a:t>12/10/2018</a:t>
             </a:fld>
             <a:endParaRPr lang="en-GB"/>
           </a:p>
@@ -2701,7 +2701,7 @@
         </p:spPr>
         <p:txBody>
           <a:bodyPr>
-            <a:normAutofit fontScale="70000" lnSpcReduction="20000"/>
+            <a:normAutofit/>
           </a:bodyPr>
           <a:lstStyle/>
           <a:p>
@@ -2715,7 +2715,7 @@
               <a:defRPr/>
             </a:pPr>
             <a:r>
-              <a:rPr lang="en-GB" sz="2000" dirty="0">
+              <a:rPr lang="en-GB" sz="1400" dirty="0">
                 <a:solidFill>
                   <a:srgbClr val="002060"/>
                 </a:solidFill>
@@ -2737,7 +2737,7 @@
               <a:buChar char="•"/>
               <a:defRPr/>
             </a:pPr>
-            <a:endParaRPr lang="en-GB" sz="1000" dirty="0">
+            <a:endParaRPr lang="en-GB" sz="700" dirty="0">
               <a:solidFill>
                 <a:srgbClr val="002060"/>
               </a:solidFill>
@@ -2758,11 +2758,32 @@
               <a:defRPr/>
             </a:pPr>
             <a:r>
-              <a:rPr lang="en-GB" sz="2000" dirty="0">
+              <a:rPr lang="en-GB" sz="1400" dirty="0">
                 <a:latin typeface="+mn-lt"/>
                 <a:cs typeface="+mn-cs"/>
               </a:rPr>
-              <a:t>Alison Pamment, Sam Pepler, Ag Stephens, Stephen Pascoe,</a:t>
+              <a:t>Alison Pamment, Sam Pepler, Ag Stephens, Stephen </a:t>
+            </a:r>
+            <a:r>
+              <a:rPr lang="en-GB" sz="1400" dirty="0" smtClean="0">
+                <a:latin typeface="+mn-lt"/>
+                <a:cs typeface="+mn-cs"/>
+              </a:rPr>
+              <a:t>Pascoe, Kevin </a:t>
+            </a:r>
+            <a:r>
+              <a:rPr lang="en-GB" sz="1400" dirty="0">
+                <a:latin typeface="+mn-lt"/>
+                <a:cs typeface="+mn-cs"/>
+              </a:rPr>
+              <a:t>Marsh,  Anabelle Guillory, Graham Parton, </a:t>
+            </a:r>
+            <a:r>
+              <a:rPr lang="en-GB" sz="1400" dirty="0" smtClean="0">
+                <a:latin typeface="+mn-lt"/>
+                <a:cs typeface="+mn-cs"/>
+              </a:rPr>
+              <a:t>Esther</a:t>
             </a:r>
           </a:p>
           <a:p>
@@ -2778,52 +2799,30 @@
               <a:defRPr/>
             </a:pPr>
             <a:r>
-              <a:rPr lang="en-GB" sz="2000" dirty="0">
+              <a:rPr lang="en-GB" sz="1400" dirty="0" smtClean="0">
                 <a:latin typeface="+mn-lt"/>
                 <a:cs typeface="+mn-cs"/>
               </a:rPr>
-              <a:t>Kevin Marsh,  Anabelle Guillory, Graham Parton, Esther</a:t>
+              <a:t>Conway</a:t>
             </a:r>
-          </a:p>
-          <a:p>
-            <a:pPr marL="342900" indent="-342900" eaLnBrk="1" fontAlgn="auto" hangingPunct="1">
-              <a:spcBef>
-                <a:spcPct val="20000"/>
-              </a:spcBef>
-              <a:spcAft>
-                <a:spcPts val="0"/>
-              </a:spcAft>
-              <a:buFont typeface="Arial" charset="0"/>
-              <a:buNone/>
-              <a:defRPr/>
-            </a:pPr>
             <a:r>
-              <a:rPr lang="en-GB" sz="2000" dirty="0">
+              <a:rPr lang="en-GB" sz="1400" dirty="0">
                 <a:latin typeface="+mn-lt"/>
                 <a:cs typeface="+mn-cs"/>
               </a:rPr>
-              <a:t>Conway, Eduardo Damasio Da Costa, Wendy Garland, Alan Iwi</a:t>
+              <a:t>, Eduardo Damasio Da Costa, Wendy Garland, Alan </a:t>
             </a:r>
-          </a:p>
-          <a:p>
-            <a:pPr marL="342900" indent="-342900" eaLnBrk="1" fontAlgn="auto" hangingPunct="1">
-              <a:spcBef>
-                <a:spcPct val="20000"/>
-              </a:spcBef>
-              <a:spcAft>
-                <a:spcPts val="0"/>
-              </a:spcAft>
-              <a:buFont typeface="Arial" charset="0"/>
-              <a:buNone/>
-              <a:defRPr/>
-            </a:pPr>
             <a:r>
-              <a:rPr lang="en-GB" sz="2000" dirty="0">
+              <a:rPr lang="en-GB" sz="1400" dirty="0" smtClean="0">
                 <a:latin typeface="+mn-lt"/>
                 <a:cs typeface="+mn-cs"/>
               </a:rPr>
-              <a:t>and Matt Pritchard.</a:t>
+              <a:t>Iwi, Matt Pritchard and Tommy Godfrey.</a:t>
             </a:r>
+            <a:endParaRPr lang="en-GB" sz="1400" dirty="0">
+              <a:latin typeface="+mn-lt"/>
+              <a:cs typeface="+mn-cs"/>
+            </a:endParaRPr>
           </a:p>
         </p:txBody>
       </p:sp>
@@ -6831,28 +6830,7 @@
                 <a:latin typeface="Courier New" pitchFamily="49" charset="0"/>
                 <a:cs typeface="Courier New" pitchFamily="49" charset="0"/>
               </a:rPr>
-              <a:t>("Hello </a:t>
-            </a:r>
-            <a:r>
-              <a:rPr lang="en-US" sz="2000" dirty="0">
-                <a:latin typeface="Courier New" pitchFamily="49" charset="0"/>
-                <a:cs typeface="Courier New" pitchFamily="49" charset="0"/>
-              </a:rPr>
-              <a:t>{0</a:t>
-            </a:r>
-            <a:r>
-              <a:rPr lang="en-US" sz="2000" dirty="0">
-                <a:latin typeface="Courier New" pitchFamily="49" charset="0"/>
-                <a:cs typeface="Courier New" pitchFamily="49" charset="0"/>
-              </a:rPr>
-              <a:t>}".</a:t>
-            </a:r>
-            <a:r>
-              <a:rPr lang="en-US" sz="2000" dirty="0">
-                <a:latin typeface="Courier New" pitchFamily="49" charset="0"/>
-                <a:cs typeface="Courier New" pitchFamily="49" charset="0"/>
-              </a:rPr>
-              <a:t>format(someone))</a:t>
+              <a:t>("Hello {0}".format(someone))</a:t>
             </a:r>
           </a:p>
           <a:p>
@@ -8161,26 +8139,8 @@
                 <a:latin typeface="Courier New" pitchFamily="49" charset="0"/>
                 <a:cs typeface="Courier New" pitchFamily="49" charset="0"/>
               </a:rPr>
-              <a:t>("Nobody </a:t>
+              <a:t>("Nobody to greet!")</a:t>
             </a:r>
-            <a:r>
-              <a:rPr lang="en-US" dirty="0">
-                <a:latin typeface="Courier New" pitchFamily="49" charset="0"/>
-                <a:cs typeface="Courier New" pitchFamily="49" charset="0"/>
-              </a:rPr>
-              <a:t>to greet</a:t>
-            </a:r>
-            <a:r>
-              <a:rPr lang="en-US" dirty="0">
-                <a:latin typeface="Courier New" pitchFamily="49" charset="0"/>
-                <a:cs typeface="Courier New" pitchFamily="49" charset="0"/>
-              </a:rPr>
-              <a:t>!")</a:t>
-            </a:r>
-            <a:endParaRPr lang="en-US" dirty="0">
-              <a:latin typeface="Courier New" pitchFamily="49" charset="0"/>
-              <a:cs typeface="Courier New" pitchFamily="49" charset="0"/>
-            </a:endParaRPr>
           </a:p>
           <a:p>
             <a:pPr eaLnBrk="1" hangingPunct="1">
